--- a/AUREUS PROJECT.pptx
+++ b/AUREUS PROJECT.pptx
@@ -459,7 +459,7 @@
             <a:fld id="{B61BEF0D-F0BB-DE4B-95CE-6DB70DBA9567}" type="datetimeFigureOut">
               <a:rPr lang="en-US" smtClean="0"/>
               <a:pPr/>
-              <a:t>3/29/2021</a:t>
+              <a:t>11/24/2022</a:t>
             </a:fld>
             <a:endParaRPr lang="en-US" dirty="0"/>
           </a:p>
@@ -1549,7 +1549,7 @@
             <a:fld id="{B61BEF0D-F0BB-DE4B-95CE-6DB70DBA9567}" type="datetimeFigureOut">
               <a:rPr lang="en-US" smtClean="0"/>
               <a:pPr/>
-              <a:t>3/29/2021</a:t>
+              <a:t>11/24/2022</a:t>
             </a:fld>
             <a:endParaRPr lang="en-US" dirty="0"/>
           </a:p>
@@ -2531,7 +2531,7 @@
             <a:fld id="{B61BEF0D-F0BB-DE4B-95CE-6DB70DBA9567}" type="datetimeFigureOut">
               <a:rPr lang="en-US" smtClean="0"/>
               <a:pPr/>
-              <a:t>3/29/2021</a:t>
+              <a:t>11/24/2022</a:t>
             </a:fld>
             <a:endParaRPr lang="en-US" dirty="0"/>
           </a:p>
@@ -3667,7 +3667,7 @@
             <a:fld id="{B61BEF0D-F0BB-DE4B-95CE-6DB70DBA9567}" type="datetimeFigureOut">
               <a:rPr lang="en-US" smtClean="0"/>
               <a:pPr/>
-              <a:t>3/29/2021</a:t>
+              <a:t>11/24/2022</a:t>
             </a:fld>
             <a:endParaRPr lang="en-US" dirty="0"/>
           </a:p>
@@ -4702,7 +4702,7 @@
             <a:fld id="{B61BEF0D-F0BB-DE4B-95CE-6DB70DBA9567}" type="datetimeFigureOut">
               <a:rPr lang="en-US" smtClean="0"/>
               <a:pPr/>
-              <a:t>3/29/2021</a:t>
+              <a:t>11/24/2022</a:t>
             </a:fld>
             <a:endParaRPr lang="en-US" dirty="0"/>
           </a:p>
@@ -5364,7 +5364,7 @@
             <a:fld id="{B61BEF0D-F0BB-DE4B-95CE-6DB70DBA9567}" type="datetimeFigureOut">
               <a:rPr lang="en-US" smtClean="0"/>
               <a:pPr/>
-              <a:t>3/29/2021</a:t>
+              <a:t>11/24/2022</a:t>
             </a:fld>
             <a:endParaRPr lang="en-US" dirty="0"/>
           </a:p>
@@ -6227,7 +6227,7 @@
             <a:fld id="{B61BEF0D-F0BB-DE4B-95CE-6DB70DBA9567}" type="datetimeFigureOut">
               <a:rPr lang="en-US" smtClean="0"/>
               <a:pPr/>
-              <a:t>3/29/2021</a:t>
+              <a:t>11/24/2022</a:t>
             </a:fld>
             <a:endParaRPr lang="en-US" dirty="0"/>
           </a:p>
@@ -6419,7 +6419,7 @@
             <a:fld id="{B61BEF0D-F0BB-DE4B-95CE-6DB70DBA9567}" type="datetimeFigureOut">
               <a:rPr lang="en-US" smtClean="0"/>
               <a:pPr/>
-              <a:t>3/29/2021</a:t>
+              <a:t>11/24/2022</a:t>
             </a:fld>
             <a:endParaRPr lang="en-US" dirty="0"/>
           </a:p>
@@ -7393,7 +7393,7 @@
             <a:fld id="{B61BEF0D-F0BB-DE4B-95CE-6DB70DBA9567}" type="datetimeFigureOut">
               <a:rPr lang="en-US" smtClean="0"/>
               <a:pPr/>
-              <a:t>3/29/2021</a:t>
+              <a:t>11/24/2022</a:t>
             </a:fld>
             <a:endParaRPr lang="en-US" dirty="0"/>
           </a:p>
@@ -7606,7 +7606,7 @@
             <a:fld id="{B61BEF0D-F0BB-DE4B-95CE-6DB70DBA9567}" type="datetimeFigureOut">
               <a:rPr lang="en-US" smtClean="0"/>
               <a:pPr/>
-              <a:t>3/29/2021</a:t>
+              <a:t>11/24/2022</a:t>
             </a:fld>
             <a:endParaRPr lang="en-US" dirty="0"/>
           </a:p>
@@ -8642,7 +8642,7 @@
             <a:fld id="{B61BEF0D-F0BB-DE4B-95CE-6DB70DBA9567}" type="datetimeFigureOut">
               <a:rPr lang="en-US" smtClean="0"/>
               <a:pPr/>
-              <a:t>3/29/2021</a:t>
+              <a:t>11/24/2022</a:t>
             </a:fld>
             <a:endParaRPr lang="en-US" dirty="0"/>
           </a:p>
@@ -8916,7 +8916,7 @@
             <a:fld id="{B61BEF0D-F0BB-DE4B-95CE-6DB70DBA9567}" type="datetimeFigureOut">
               <a:rPr lang="en-US" smtClean="0"/>
               <a:pPr/>
-              <a:t>3/29/2021</a:t>
+              <a:t>11/24/2022</a:t>
             </a:fld>
             <a:endParaRPr lang="en-US" dirty="0"/>
           </a:p>
@@ -9333,7 +9333,7 @@
             <a:fld id="{B61BEF0D-F0BB-DE4B-95CE-6DB70DBA9567}" type="datetimeFigureOut">
               <a:rPr lang="en-US" smtClean="0"/>
               <a:pPr/>
-              <a:t>3/29/2021</a:t>
+              <a:t>11/24/2022</a:t>
             </a:fld>
             <a:endParaRPr lang="en-US" dirty="0"/>
           </a:p>
@@ -9467,7 +9467,7 @@
             <a:fld id="{B61BEF0D-F0BB-DE4B-95CE-6DB70DBA9567}" type="datetimeFigureOut">
               <a:rPr lang="en-US" smtClean="0"/>
               <a:pPr/>
-              <a:t>3/29/2021</a:t>
+              <a:t>11/24/2022</a:t>
             </a:fld>
             <a:endParaRPr lang="en-US" dirty="0"/>
           </a:p>
@@ -9564,7 +9564,7 @@
             <a:fld id="{B61BEF0D-F0BB-DE4B-95CE-6DB70DBA9567}" type="datetimeFigureOut">
               <a:rPr lang="en-US" smtClean="0"/>
               <a:pPr/>
-              <a:t>3/29/2021</a:t>
+              <a:t>11/24/2022</a:t>
             </a:fld>
             <a:endParaRPr lang="en-US" dirty="0"/>
           </a:p>
@@ -10647,7 +10647,7 @@
             <a:fld id="{B61BEF0D-F0BB-DE4B-95CE-6DB70DBA9567}" type="datetimeFigureOut">
               <a:rPr lang="en-US" smtClean="0"/>
               <a:pPr/>
-              <a:t>3/29/2021</a:t>
+              <a:t>11/24/2022</a:t>
             </a:fld>
             <a:endParaRPr lang="en-US" dirty="0"/>
           </a:p>
@@ -11762,7 +11762,7 @@
             <a:fld id="{B61BEF0D-F0BB-DE4B-95CE-6DB70DBA9567}" type="datetimeFigureOut">
               <a:rPr lang="en-US" smtClean="0"/>
               <a:pPr/>
-              <a:t>3/29/2021</a:t>
+              <a:t>11/24/2022</a:t>
             </a:fld>
             <a:endParaRPr lang="en-US" dirty="0"/>
           </a:p>
@@ -12775,7 +12775,7 @@
             <a:fld id="{B61BEF0D-F0BB-DE4B-95CE-6DB70DBA9567}" type="datetimeFigureOut">
               <a:rPr lang="en-US" smtClean="0"/>
               <a:pPr/>
-              <a:t>3/29/2021</a:t>
+              <a:t>11/24/2022</a:t>
             </a:fld>
             <a:endParaRPr lang="en-US" dirty="0"/>
           </a:p>
@@ -13435,7 +13435,23 @@
                   <a:srgbClr val="C00000"/>
                 </a:solidFill>
               </a:rPr>
-              <a:t>Proposed   By:-  bandana kumari                 constructed by:-    dashrath prajapat</a:t>
+              <a:t>Proposed   By:- </a:t>
+            </a:r>
+            <a:r>
+              <a:rPr lang="en-IN" b="1">
+                <a:solidFill>
+                  <a:srgbClr val="C00000"/>
+                </a:solidFill>
+              </a:rPr>
+              <a:t>Dashrath prajapat              constructed </a:t>
+            </a:r>
+            <a:r>
+              <a:rPr lang="en-IN" b="1" dirty="0">
+                <a:solidFill>
+                  <a:srgbClr val="C00000"/>
+                </a:solidFill>
+              </a:rPr>
+              <a:t>by:-    dashrath prajapat</a:t>
             </a:r>
           </a:p>
           <a:p>
